--- a/property_sale.pptx
+++ b/property_sale.pptx
@@ -106,6 +106,11 @@
       </a:defRPr>
     </a:lvl9pPr>
   </p:defaultTextStyle>
+  <p:extLst>
+    <p:ext uri="{EFAFB233-063F-42B5-8137-9DF3F51BA10A}">
+      <p15:sldGuideLst xmlns:p15="http://schemas.microsoft.com/office/powerpoint/2012/main"/>
+    </p:ext>
+  </p:extLst>
 </p:presentation>
 </file>
 
@@ -256,7 +261,7 @@
           <a:p>
             <a:fld id="{EE5523E2-5D0D-1B46-8B78-D22549DBD23D}" type="datetimeFigureOut">
               <a:rPr lang="en-US" smtClean="0"/>
-              <a:t>2/17/22</a:t>
+              <a:t>3/3/22</a:t>
             </a:fld>
             <a:endParaRPr lang="en-US"/>
           </a:p>
@@ -454,7 +459,7 @@
           <a:p>
             <a:fld id="{EE5523E2-5D0D-1B46-8B78-D22549DBD23D}" type="datetimeFigureOut">
               <a:rPr lang="en-US" smtClean="0"/>
-              <a:t>2/17/22</a:t>
+              <a:t>3/3/22</a:t>
             </a:fld>
             <a:endParaRPr lang="en-US"/>
           </a:p>
@@ -662,7 +667,7 @@
           <a:p>
             <a:fld id="{EE5523E2-5D0D-1B46-8B78-D22549DBD23D}" type="datetimeFigureOut">
               <a:rPr lang="en-US" smtClean="0"/>
-              <a:t>2/17/22</a:t>
+              <a:t>3/3/22</a:t>
             </a:fld>
             <a:endParaRPr lang="en-US"/>
           </a:p>
@@ -860,7 +865,7 @@
           <a:p>
             <a:fld id="{EE5523E2-5D0D-1B46-8B78-D22549DBD23D}" type="datetimeFigureOut">
               <a:rPr lang="en-US" smtClean="0"/>
-              <a:t>2/17/22</a:t>
+              <a:t>3/3/22</a:t>
             </a:fld>
             <a:endParaRPr lang="en-US"/>
           </a:p>
@@ -1135,7 +1140,7 @@
           <a:p>
             <a:fld id="{EE5523E2-5D0D-1B46-8B78-D22549DBD23D}" type="datetimeFigureOut">
               <a:rPr lang="en-US" smtClean="0"/>
-              <a:t>2/17/22</a:t>
+              <a:t>3/3/22</a:t>
             </a:fld>
             <a:endParaRPr lang="en-US"/>
           </a:p>
@@ -1400,7 +1405,7 @@
           <a:p>
             <a:fld id="{EE5523E2-5D0D-1B46-8B78-D22549DBD23D}" type="datetimeFigureOut">
               <a:rPr lang="en-US" smtClean="0"/>
-              <a:t>2/17/22</a:t>
+              <a:t>3/3/22</a:t>
             </a:fld>
             <a:endParaRPr lang="en-US"/>
           </a:p>
@@ -1812,7 +1817,7 @@
           <a:p>
             <a:fld id="{EE5523E2-5D0D-1B46-8B78-D22549DBD23D}" type="datetimeFigureOut">
               <a:rPr lang="en-US" smtClean="0"/>
-              <a:t>2/17/22</a:t>
+              <a:t>3/3/22</a:t>
             </a:fld>
             <a:endParaRPr lang="en-US"/>
           </a:p>
@@ -1953,7 +1958,7 @@
           <a:p>
             <a:fld id="{EE5523E2-5D0D-1B46-8B78-D22549DBD23D}" type="datetimeFigureOut">
               <a:rPr lang="en-US" smtClean="0"/>
-              <a:t>2/17/22</a:t>
+              <a:t>3/3/22</a:t>
             </a:fld>
             <a:endParaRPr lang="en-US"/>
           </a:p>
@@ -2066,7 +2071,7 @@
           <a:p>
             <a:fld id="{EE5523E2-5D0D-1B46-8B78-D22549DBD23D}" type="datetimeFigureOut">
               <a:rPr lang="en-US" smtClean="0"/>
-              <a:t>2/17/22</a:t>
+              <a:t>3/3/22</a:t>
             </a:fld>
             <a:endParaRPr lang="en-US"/>
           </a:p>
@@ -2377,7 +2382,7 @@
           <a:p>
             <a:fld id="{EE5523E2-5D0D-1B46-8B78-D22549DBD23D}" type="datetimeFigureOut">
               <a:rPr lang="en-US" smtClean="0"/>
-              <a:t>2/17/22</a:t>
+              <a:t>3/3/22</a:t>
             </a:fld>
             <a:endParaRPr lang="en-US"/>
           </a:p>
@@ -2665,7 +2670,7 @@
           <a:p>
             <a:fld id="{EE5523E2-5D0D-1B46-8B78-D22549DBD23D}" type="datetimeFigureOut">
               <a:rPr lang="en-US" smtClean="0"/>
-              <a:t>2/17/22</a:t>
+              <a:t>3/3/22</a:t>
             </a:fld>
             <a:endParaRPr lang="en-US"/>
           </a:p>
@@ -2906,7 +2911,7 @@
           <a:p>
             <a:fld id="{EE5523E2-5D0D-1B46-8B78-D22549DBD23D}" type="datetimeFigureOut">
               <a:rPr lang="en-US" smtClean="0"/>
-              <a:t>2/17/22</a:t>
+              <a:t>3/3/22</a:t>
             </a:fld>
             <a:endParaRPr lang="en-US"/>
           </a:p>
@@ -3346,7 +3351,7 @@
           <a:p>
             <a:r>
               <a:rPr lang="en-US" dirty="0"/>
-              <a:t>Real Estate Contract</a:t>
+              <a:t>Real Estate Contract – Parties Involved</a:t>
             </a:r>
           </a:p>
         </p:txBody>
@@ -3521,6 +3526,39 @@
             <a:r>
               <a:rPr lang="en-US" dirty="0"/>
               <a:t>Lender to Approve -&gt; Funds Go To Seller -&gt; Property Transfers to Buyer</a:t>
+            </a:r>
+          </a:p>
+        </p:txBody>
+      </p:sp>
+      <p:sp>
+        <p:nvSpPr>
+          <p:cNvPr id="4" name="Title 1">
+            <a:extLst>
+              <a:ext uri="{FF2B5EF4-FFF2-40B4-BE49-F238E27FC236}">
+                <a16:creationId xmlns:a16="http://schemas.microsoft.com/office/drawing/2014/main" id="{CE4AFE0A-8914-864C-8ADF-7FDDB0963F87}"/>
+              </a:ext>
+            </a:extLst>
+          </p:cNvPr>
+          <p:cNvSpPr>
+            <a:spLocks noGrp="1"/>
+          </p:cNvSpPr>
+          <p:nvPr>
+            <p:ph type="title"/>
+          </p:nvPr>
+        </p:nvSpPr>
+        <p:spPr>
+          <a:xfrm>
+            <a:off x="838200" y="365125"/>
+            <a:ext cx="10515600" cy="1325563"/>
+          </a:xfrm>
+        </p:spPr>
+        <p:txBody>
+          <a:bodyPr/>
+          <a:lstStyle/>
+          <a:p>
+            <a:r>
+              <a:rPr lang="en-US" dirty="0"/>
+              <a:t>Process</a:t>
             </a:r>
           </a:p>
         </p:txBody>
